--- a/modules/themes/abstract.pptx
+++ b/modules/themes/abstract.pptx
@@ -5,15 +5,8 @@
     <p:sldMasterId id="2147483648" r:id="rId1"/>
   </p:sldMasterIdLst>
   <p:notesMasterIdLst>
-    <p:notesMasterId r:id="rId7"/>
+    <p:notesMasterId r:id="rId2"/>
   </p:notesMasterIdLst>
-  <p:sldIdLst>
-    <p:sldId id="256" r:id="rId2"/>
-    <p:sldId id="257" r:id="rId3"/>
-    <p:sldId id="259" r:id="rId4"/>
-    <p:sldId id="258" r:id="rId5"/>
-    <p:sldId id="260" r:id="rId6"/>
-  </p:sldIdLst>
   <p:sldSz cx="9144000" cy="5143500" type="screen16x9"/>
   <p:notesSz cx="6858000" cy="9144000"/>
   <p:defaultTextStyle>
@@ -212,7 +205,7 @@
           <a:p>
             <a:fld id="{C8D18E60-4300-4729-A0D7-6AB984C3922D}" type="datetimeFigureOut">
               <a:rPr lang="en-US" smtClean="0"/>
-              <a:t>03/06/2024</a:t>
+              <a:t>06/06/2024</a:t>
             </a:fld>
             <a:endParaRPr lang="en-US"/>
           </a:p>
@@ -479,90 +472,6 @@
 </p:notesMaster>
 </file>
 
-<file path=ppt/notesSlides/notesSlide1.xml><?xml version="1.0" encoding="utf-8"?>
-<p:notes xmlns:a="http://schemas.openxmlformats.org/drawingml/2006/main" xmlns:r="http://schemas.openxmlformats.org/officeDocument/2006/relationships" xmlns:p="http://schemas.openxmlformats.org/presentationml/2006/main">
-  <p:cSld>
-    <p:spTree>
-      <p:nvGrpSpPr>
-        <p:cNvPr id="1" name=""/>
-        <p:cNvGrpSpPr/>
-        <p:nvPr/>
-      </p:nvGrpSpPr>
-      <p:grpSpPr>
-        <a:xfrm>
-          <a:off x="0" y="0"/>
-          <a:ext cx="0" cy="0"/>
-          <a:chOff x="0" y="0"/>
-          <a:chExt cx="0" cy="0"/>
-        </a:xfrm>
-      </p:grpSpPr>
-      <p:sp>
-        <p:nvSpPr>
-          <p:cNvPr id="2" name="Slide Image Placeholder 1"/>
-          <p:cNvSpPr>
-            <a:spLocks noGrp="1" noRot="1" noChangeAspect="1"/>
-          </p:cNvSpPr>
-          <p:nvPr>
-            <p:ph type="sldImg"/>
-          </p:nvPr>
-        </p:nvSpPr>
-        <p:spPr/>
-      </p:sp>
-      <p:sp>
-        <p:nvSpPr>
-          <p:cNvPr id="3" name="Notes Placeholder 2"/>
-          <p:cNvSpPr>
-            <a:spLocks noGrp="1"/>
-          </p:cNvSpPr>
-          <p:nvPr>
-            <p:ph type="body" idx="1"/>
-          </p:nvPr>
-        </p:nvSpPr>
-        <p:spPr/>
-        <p:txBody>
-          <a:bodyPr/>
-          <a:lstStyle/>
-          <a:p>
-            <a:endParaRPr lang="en-US"/>
-          </a:p>
-        </p:txBody>
-      </p:sp>
-      <p:sp>
-        <p:nvSpPr>
-          <p:cNvPr id="4" name="Slide Number Placeholder 3"/>
-          <p:cNvSpPr>
-            <a:spLocks noGrp="1"/>
-          </p:cNvSpPr>
-          <p:nvPr>
-            <p:ph type="sldNum" sz="quarter" idx="10"/>
-          </p:nvPr>
-        </p:nvSpPr>
-        <p:spPr/>
-        <p:txBody>
-          <a:bodyPr/>
-          <a:lstStyle/>
-          <a:p>
-            <a:fld id="{87350B06-B074-48FC-8CFD-53D2CD8FB95F}" type="slidenum">
-              <a:rPr lang="en-US" smtClean="0"/>
-              <a:t>5</a:t>
-            </a:fld>
-            <a:endParaRPr lang="en-US"/>
-          </a:p>
-        </p:txBody>
-      </p:sp>
-    </p:spTree>
-    <p:extLst>
-      <p:ext uri="{BB962C8B-B14F-4D97-AF65-F5344CB8AC3E}">
-        <p14:creationId xmlns:p14="http://schemas.microsoft.com/office/powerpoint/2010/main" val="1284596819"/>
-      </p:ext>
-    </p:extLst>
-  </p:cSld>
-  <p:clrMapOvr>
-    <a:masterClrMapping/>
-  </p:clrMapOvr>
-</p:notes>
-</file>
-
 <file path=ppt/slideLayouts/slideLayout1.xml><?xml version="1.0" encoding="utf-8"?>
 <p:sldLayout xmlns:a="http://schemas.openxmlformats.org/drawingml/2006/main" xmlns:r="http://schemas.openxmlformats.org/officeDocument/2006/relationships" xmlns:p="http://schemas.openxmlformats.org/presentationml/2006/main" type="title" preserve="1">
   <p:cSld name="Title Slide">
@@ -782,7 +691,7 @@
             <a:fld id="{53074F12-AA26-4AC8-9962-C36BB8F32554}" type="datetimeFigureOut">
               <a:rPr lang="en-US" smtClean="0"/>
               <a:pPr/>
-              <a:t>03/06/2024</a:t>
+              <a:t>06/06/2024</a:t>
             </a:fld>
             <a:endParaRPr lang="en-US"/>
           </a:p>
@@ -1036,7 +945,7 @@
             <a:fld id="{53074F12-AA26-4AC8-9962-C36BB8F32554}" type="datetimeFigureOut">
               <a:rPr lang="en-US" smtClean="0"/>
               <a:pPr/>
-              <a:t>03/06/2024</a:t>
+              <a:t>06/06/2024</a:t>
             </a:fld>
             <a:endParaRPr lang="en-US"/>
           </a:p>
@@ -1206,7 +1115,7 @@
             <a:fld id="{53074F12-AA26-4AC8-9962-C36BB8F32554}" type="datetimeFigureOut">
               <a:rPr lang="en-US" smtClean="0"/>
               <a:pPr/>
-              <a:t>03/06/2024</a:t>
+              <a:t>06/06/2024</a:t>
             </a:fld>
             <a:endParaRPr lang="en-US"/>
           </a:p>
@@ -1386,7 +1295,7 @@
             <a:fld id="{53074F12-AA26-4AC8-9962-C36BB8F32554}" type="datetimeFigureOut">
               <a:rPr lang="en-US" smtClean="0"/>
               <a:pPr/>
-              <a:t>03/06/2024</a:t>
+              <a:t>06/06/2024</a:t>
             </a:fld>
             <a:endParaRPr lang="en-US"/>
           </a:p>
@@ -1668,7 +1577,7 @@
             <a:fld id="{53074F12-AA26-4AC8-9962-C36BB8F32554}" type="datetimeFigureOut">
               <a:rPr lang="en-US" smtClean="0"/>
               <a:pPr/>
-              <a:t>03/06/2024</a:t>
+              <a:t>06/06/2024</a:t>
             </a:fld>
             <a:endParaRPr lang="en-US"/>
           </a:p>
@@ -1915,7 +1824,7 @@
             <a:fld id="{53074F12-AA26-4AC8-9962-C36BB8F32554}" type="datetimeFigureOut">
               <a:rPr lang="en-US" smtClean="0"/>
               <a:pPr/>
-              <a:t>03/06/2024</a:t>
+              <a:t>06/06/2024</a:t>
             </a:fld>
             <a:endParaRPr lang="en-US"/>
           </a:p>
@@ -2162,7 +2071,7 @@
             <a:fld id="{53074F12-AA26-4AC8-9962-C36BB8F32554}" type="datetimeFigureOut">
               <a:rPr lang="en-US" smtClean="0"/>
               <a:pPr/>
-              <a:t>03/06/2024</a:t>
+              <a:t>06/06/2024</a:t>
             </a:fld>
             <a:endParaRPr lang="en-US"/>
           </a:p>
@@ -2449,7 +2358,7 @@
             <a:fld id="{53074F12-AA26-4AC8-9962-C36BB8F32554}" type="datetimeFigureOut">
               <a:rPr lang="en-US" smtClean="0"/>
               <a:pPr/>
-              <a:t>03/06/2024</a:t>
+              <a:t>06/06/2024</a:t>
             </a:fld>
             <a:endParaRPr lang="en-US"/>
           </a:p>
@@ -2936,7 +2845,7 @@
             <a:fld id="{53074F12-AA26-4AC8-9962-C36BB8F32554}" type="datetimeFigureOut">
               <a:rPr lang="en-US" smtClean="0"/>
               <a:pPr/>
-              <a:t>03/06/2024</a:t>
+              <a:t>06/06/2024</a:t>
             </a:fld>
             <a:endParaRPr lang="en-US"/>
           </a:p>
@@ -3055,7 +2964,7 @@
             <a:fld id="{53074F12-AA26-4AC8-9962-C36BB8F32554}" type="datetimeFigureOut">
               <a:rPr lang="en-US" smtClean="0"/>
               <a:pPr/>
-              <a:t>03/06/2024</a:t>
+              <a:t>06/06/2024</a:t>
             </a:fld>
             <a:endParaRPr lang="en-US"/>
           </a:p>
@@ -3152,7 +3061,7 @@
             <a:fld id="{53074F12-AA26-4AC8-9962-C36BB8F32554}" type="datetimeFigureOut">
               <a:rPr lang="en-US" smtClean="0"/>
               <a:pPr/>
-              <a:t>03/06/2024</a:t>
+              <a:t>06/06/2024</a:t>
             </a:fld>
             <a:endParaRPr lang="en-US"/>
           </a:p>
@@ -3429,7 +3338,7 @@
             <a:fld id="{53074F12-AA26-4AC8-9962-C36BB8F32554}" type="datetimeFigureOut">
               <a:rPr lang="en-US" smtClean="0"/>
               <a:pPr/>
-              <a:t>03/06/2024</a:t>
+              <a:t>06/06/2024</a:t>
             </a:fld>
             <a:endParaRPr lang="en-US"/>
           </a:p>
@@ -3651,7 +3560,7 @@
             <a:fld id="{53074F12-AA26-4AC8-9962-C36BB8F32554}" type="datetimeFigureOut">
               <a:rPr lang="en-US" smtClean="0"/>
               <a:pPr/>
-              <a:t>03/06/2024</a:t>
+              <a:t>06/06/2024</a:t>
             </a:fld>
             <a:endParaRPr lang="en-US"/>
           </a:p>
@@ -4062,539 +3971,6 @@
     </p:otherStyle>
   </p:txStyles>
 </p:sldMaster>
-</file>
-
-<file path=ppt/slides/slide1.xml><?xml version="1.0" encoding="utf-8"?>
-<p:sld xmlns:a="http://schemas.openxmlformats.org/drawingml/2006/main" xmlns:r="http://schemas.openxmlformats.org/officeDocument/2006/relationships" xmlns:p="http://schemas.openxmlformats.org/presentationml/2006/main">
-  <p:cSld>
-    <p:spTree>
-      <p:nvGrpSpPr>
-        <p:cNvPr id="1" name=""/>
-        <p:cNvGrpSpPr/>
-        <p:nvPr/>
-      </p:nvGrpSpPr>
-      <p:grpSpPr>
-        <a:xfrm>
-          <a:off x="0" y="0"/>
-          <a:ext cx="0" cy="0"/>
-          <a:chOff x="0" y="0"/>
-          <a:chExt cx="0" cy="0"/>
-        </a:xfrm>
-      </p:grpSpPr>
-      <p:sp>
-        <p:nvSpPr>
-          <p:cNvPr id="2" name="Title 1"/>
-          <p:cNvSpPr>
-            <a:spLocks noGrp="1"/>
-          </p:cNvSpPr>
-          <p:nvPr>
-            <p:ph type="ctrTitle"/>
-          </p:nvPr>
-        </p:nvSpPr>
-        <p:spPr>
-          <a:xfrm>
-            <a:off x="754375" y="2419045"/>
-            <a:ext cx="7329840" cy="1527050"/>
-          </a:xfrm>
-        </p:spPr>
-        <p:txBody>
-          <a:bodyPr/>
-          <a:lstStyle/>
-          <a:p>
-            <a:r>
-              <a:rPr lang="en-US" dirty="0">
-                <a:solidFill>
-                  <a:srgbClr val="7030A0"/>
-                </a:solidFill>
-              </a:rPr>
-              <a:t>Click to edit </a:t>
-            </a:r>
-            <a:br>
-              <a:rPr lang="en-US" dirty="0">
-                <a:solidFill>
-                  <a:srgbClr val="7030A0"/>
-                </a:solidFill>
-              </a:rPr>
-            </a:br>
-            <a:r>
-              <a:rPr lang="en-US" dirty="0">
-                <a:solidFill>
-                  <a:srgbClr val="7030A0"/>
-                </a:solidFill>
-              </a:rPr>
-              <a:t>Master title style</a:t>
-            </a:r>
-          </a:p>
-        </p:txBody>
-      </p:sp>
-      <p:sp>
-        <p:nvSpPr>
-          <p:cNvPr id="3" name="Subtitle 2"/>
-          <p:cNvSpPr>
-            <a:spLocks noGrp="1"/>
-          </p:cNvSpPr>
-          <p:nvPr>
-            <p:ph type="subTitle" idx="1"/>
-          </p:nvPr>
-        </p:nvSpPr>
-        <p:spPr>
-          <a:xfrm>
-            <a:off x="1059785" y="3946095"/>
-            <a:ext cx="7024430" cy="610820"/>
-          </a:xfrm>
-        </p:spPr>
-        <p:txBody>
-          <a:bodyPr>
-            <a:normAutofit/>
-          </a:bodyPr>
-          <a:lstStyle/>
-          <a:p>
-            <a:endParaRPr lang="en-US" dirty="0"/>
-          </a:p>
-        </p:txBody>
-      </p:sp>
-    </p:spTree>
-    <p:extLst>
-      <p:ext uri="{BB962C8B-B14F-4D97-AF65-F5344CB8AC3E}">
-        <p14:creationId xmlns:p14="http://schemas.microsoft.com/office/powerpoint/2010/main" val="363920370"/>
-      </p:ext>
-    </p:extLst>
-  </p:cSld>
-  <p:clrMapOvr>
-    <a:masterClrMapping/>
-  </p:clrMapOvr>
-</p:sld>
-</file>
-
-<file path=ppt/slides/slide2.xml><?xml version="1.0" encoding="utf-8"?>
-<p:sld xmlns:a="http://schemas.openxmlformats.org/drawingml/2006/main" xmlns:r="http://schemas.openxmlformats.org/officeDocument/2006/relationships" xmlns:p="http://schemas.openxmlformats.org/presentationml/2006/main">
-  <p:cSld>
-    <p:spTree>
-      <p:nvGrpSpPr>
-        <p:cNvPr id="1" name=""/>
-        <p:cNvGrpSpPr/>
-        <p:nvPr/>
-      </p:nvGrpSpPr>
-      <p:grpSpPr>
-        <a:xfrm>
-          <a:off x="0" y="0"/>
-          <a:ext cx="0" cy="0"/>
-          <a:chOff x="0" y="0"/>
-          <a:chExt cx="0" cy="0"/>
-        </a:xfrm>
-      </p:grpSpPr>
-      <p:sp>
-        <p:nvSpPr>
-          <p:cNvPr id="2" name="Title 1"/>
-          <p:cNvSpPr>
-            <a:spLocks noGrp="1"/>
-          </p:cNvSpPr>
-          <p:nvPr>
-            <p:ph type="title"/>
-          </p:nvPr>
-        </p:nvSpPr>
-        <p:spPr>
-          <a:xfrm>
-            <a:off x="448965" y="586585"/>
-            <a:ext cx="8246070" cy="916230"/>
-          </a:xfrm>
-        </p:spPr>
-        <p:txBody>
-          <a:bodyPr>
-            <a:normAutofit/>
-          </a:bodyPr>
-          <a:lstStyle/>
-          <a:p>
-            <a:r>
-              <a:rPr lang="en-US" dirty="0"/>
-              <a:t>Slide Title</a:t>
-            </a:r>
-          </a:p>
-        </p:txBody>
-      </p:sp>
-      <p:sp>
-        <p:nvSpPr>
-          <p:cNvPr id="3" name="Content Placeholder 2"/>
-          <p:cNvSpPr>
-            <a:spLocks noGrp="1"/>
-          </p:cNvSpPr>
-          <p:nvPr>
-            <p:ph idx="1"/>
-          </p:nvPr>
-        </p:nvSpPr>
-        <p:spPr/>
-        <p:txBody>
-          <a:bodyPr/>
-          <a:lstStyle/>
-          <a:p>
-            <a:r>
-              <a:rPr lang="en-US"/>
-              <a:t>Make Effective Presentations</a:t>
-            </a:r>
-          </a:p>
-          <a:p>
-            <a:r>
-              <a:rPr lang="en-US"/>
-              <a:t>Using Awesome Backgrounds</a:t>
-            </a:r>
-          </a:p>
-          <a:p>
-            <a:r>
-              <a:rPr lang="en-US"/>
-              <a:t>Engage your Audience</a:t>
-            </a:r>
-          </a:p>
-          <a:p>
-            <a:r>
-              <a:rPr lang="en-US"/>
-              <a:t>Capture Audience Attention</a:t>
-            </a:r>
-          </a:p>
-          <a:p>
-            <a:endParaRPr lang="en-US"/>
-          </a:p>
-          <a:p>
-            <a:endParaRPr lang="en-US" dirty="0"/>
-          </a:p>
-        </p:txBody>
-      </p:sp>
-    </p:spTree>
-    <p:extLst>
-      <p:ext uri="{BB962C8B-B14F-4D97-AF65-F5344CB8AC3E}">
-        <p14:creationId xmlns:p14="http://schemas.microsoft.com/office/powerpoint/2010/main" val="4103309497"/>
-      </p:ext>
-    </p:extLst>
-  </p:cSld>
-  <p:clrMapOvr>
-    <a:masterClrMapping/>
-  </p:clrMapOvr>
-</p:sld>
-</file>
-
-<file path=ppt/slides/slide3.xml><?xml version="1.0" encoding="utf-8"?>
-<p:sld xmlns:a="http://schemas.openxmlformats.org/drawingml/2006/main" xmlns:r="http://schemas.openxmlformats.org/officeDocument/2006/relationships" xmlns:p="http://schemas.openxmlformats.org/presentationml/2006/main">
-  <p:cSld>
-    <p:spTree>
-      <p:nvGrpSpPr>
-        <p:cNvPr id="1" name=""/>
-        <p:cNvGrpSpPr/>
-        <p:nvPr/>
-      </p:nvGrpSpPr>
-      <p:grpSpPr>
-        <a:xfrm>
-          <a:off x="0" y="0"/>
-          <a:ext cx="0" cy="0"/>
-          <a:chOff x="0" y="0"/>
-          <a:chExt cx="0" cy="0"/>
-        </a:xfrm>
-      </p:grpSpPr>
-      <p:sp>
-        <p:nvSpPr>
-          <p:cNvPr id="4" name="Title 3"/>
-          <p:cNvSpPr>
-            <a:spLocks noGrp="1"/>
-          </p:cNvSpPr>
-          <p:nvPr>
-            <p:ph type="title"/>
-          </p:nvPr>
-        </p:nvSpPr>
-        <p:spPr>
-          <a:xfrm>
-            <a:off x="2586835" y="433880"/>
-            <a:ext cx="6108200" cy="725349"/>
-          </a:xfrm>
-        </p:spPr>
-        <p:txBody>
-          <a:bodyPr>
-            <a:normAutofit/>
-          </a:bodyPr>
-          <a:lstStyle/>
-          <a:p>
-            <a:r>
-              <a:rPr lang="en-US" dirty="0"/>
-              <a:t>Slide Title</a:t>
-            </a:r>
-          </a:p>
-        </p:txBody>
-      </p:sp>
-      <p:sp>
-        <p:nvSpPr>
-          <p:cNvPr id="5" name="Content Placeholder 4"/>
-          <p:cNvSpPr>
-            <a:spLocks noGrp="1"/>
-          </p:cNvSpPr>
-          <p:nvPr>
-            <p:ph idx="1"/>
-          </p:nvPr>
-        </p:nvSpPr>
-        <p:spPr>
-          <a:xfrm>
-            <a:off x="2586835" y="1350110"/>
-            <a:ext cx="6108200" cy="3511061"/>
-          </a:xfrm>
-        </p:spPr>
-        <p:txBody>
-          <a:bodyPr/>
-          <a:lstStyle/>
-          <a:p>
-            <a:r>
-              <a:rPr lang="en-US" dirty="0"/>
-              <a:t>Make Effective Presentations</a:t>
-            </a:r>
-          </a:p>
-          <a:p>
-            <a:r>
-              <a:rPr lang="en-US" dirty="0"/>
-              <a:t>Using Awesome Backgrounds</a:t>
-            </a:r>
-          </a:p>
-          <a:p>
-            <a:r>
-              <a:rPr lang="en-US" dirty="0"/>
-              <a:t>Engage your Audience</a:t>
-            </a:r>
-          </a:p>
-          <a:p>
-            <a:r>
-              <a:rPr lang="en-US" dirty="0"/>
-              <a:t>Capture Audience Attention</a:t>
-            </a:r>
-          </a:p>
-        </p:txBody>
-      </p:sp>
-    </p:spTree>
-    <p:extLst>
-      <p:ext uri="{BB962C8B-B14F-4D97-AF65-F5344CB8AC3E}">
-        <p14:creationId xmlns:p14="http://schemas.microsoft.com/office/powerpoint/2010/main" val="1101633878"/>
-      </p:ext>
-    </p:extLst>
-  </p:cSld>
-  <p:clrMapOvr>
-    <a:masterClrMapping/>
-  </p:clrMapOvr>
-</p:sld>
-</file>
-
-<file path=ppt/slides/slide4.xml><?xml version="1.0" encoding="utf-8"?>
-<p:sld xmlns:a="http://schemas.openxmlformats.org/drawingml/2006/main" xmlns:r="http://schemas.openxmlformats.org/officeDocument/2006/relationships" xmlns:p="http://schemas.openxmlformats.org/presentationml/2006/main">
-  <p:cSld>
-    <p:spTree>
-      <p:nvGrpSpPr>
-        <p:cNvPr id="1" name=""/>
-        <p:cNvGrpSpPr/>
-        <p:nvPr/>
-      </p:nvGrpSpPr>
-      <p:grpSpPr>
-        <a:xfrm>
-          <a:off x="0" y="0"/>
-          <a:ext cx="0" cy="0"/>
-          <a:chOff x="0" y="0"/>
-          <a:chExt cx="0" cy="0"/>
-        </a:xfrm>
-      </p:grpSpPr>
-      <p:sp>
-        <p:nvSpPr>
-          <p:cNvPr id="4" name="Title 3"/>
-          <p:cNvSpPr>
-            <a:spLocks noGrp="1"/>
-          </p:cNvSpPr>
-          <p:nvPr>
-            <p:ph type="title"/>
-          </p:nvPr>
-        </p:nvSpPr>
-        <p:spPr>
-          <a:xfrm>
-            <a:off x="448965" y="586585"/>
-            <a:ext cx="8093365" cy="916230"/>
-          </a:xfrm>
-        </p:spPr>
-        <p:txBody>
-          <a:bodyPr>
-            <a:normAutofit/>
-          </a:bodyPr>
-          <a:lstStyle/>
-          <a:p>
-            <a:r>
-              <a:rPr lang="en-US" dirty="0"/>
-              <a:t>Slide Title</a:t>
-            </a:r>
-          </a:p>
-        </p:txBody>
-      </p:sp>
-      <p:sp>
-        <p:nvSpPr>
-          <p:cNvPr id="5" name="Text Placeholder 4"/>
-          <p:cNvSpPr>
-            <a:spLocks noGrp="1"/>
-          </p:cNvSpPr>
-          <p:nvPr>
-            <p:ph type="body" idx="1"/>
-          </p:nvPr>
-        </p:nvSpPr>
-        <p:spPr>
-          <a:xfrm>
-            <a:off x="536879" y="1960929"/>
-            <a:ext cx="4040188" cy="479822"/>
-          </a:xfrm>
-        </p:spPr>
-        <p:txBody>
-          <a:bodyPr/>
-          <a:lstStyle/>
-          <a:p>
-            <a:r>
-              <a:rPr lang="en-US" dirty="0"/>
-              <a:t>Product A</a:t>
-            </a:r>
-          </a:p>
-        </p:txBody>
-      </p:sp>
-      <p:sp>
-        <p:nvSpPr>
-          <p:cNvPr id="6" name="Content Placeholder 5"/>
-          <p:cNvSpPr>
-            <a:spLocks noGrp="1"/>
-          </p:cNvSpPr>
-          <p:nvPr>
-            <p:ph sz="half" idx="2"/>
-          </p:nvPr>
-        </p:nvSpPr>
-        <p:spPr>
-          <a:xfrm>
-            <a:off x="536879" y="2433326"/>
-            <a:ext cx="4040188" cy="2276294"/>
-          </a:xfrm>
-        </p:spPr>
-        <p:txBody>
-          <a:bodyPr/>
-          <a:lstStyle/>
-          <a:p>
-            <a:r>
-              <a:rPr lang="en-US"/>
-              <a:t>Feature 1</a:t>
-            </a:r>
-          </a:p>
-          <a:p>
-            <a:r>
-              <a:rPr lang="en-US"/>
-              <a:t>Feature 2</a:t>
-            </a:r>
-          </a:p>
-          <a:p>
-            <a:r>
-              <a:rPr lang="en-US"/>
-              <a:t>Feature 3</a:t>
-            </a:r>
-            <a:endParaRPr lang="en-US" dirty="0"/>
-          </a:p>
-        </p:txBody>
-      </p:sp>
-      <p:sp>
-        <p:nvSpPr>
-          <p:cNvPr id="7" name="Text Placeholder 6"/>
-          <p:cNvSpPr>
-            <a:spLocks noGrp="1"/>
-          </p:cNvSpPr>
-          <p:nvPr>
-            <p:ph type="body" sz="quarter" idx="3"/>
-          </p:nvPr>
-        </p:nvSpPr>
-        <p:spPr>
-          <a:xfrm>
-            <a:off x="4572000" y="1960929"/>
-            <a:ext cx="4041775" cy="479822"/>
-          </a:xfrm>
-        </p:spPr>
-        <p:txBody>
-          <a:bodyPr/>
-          <a:lstStyle/>
-          <a:p>
-            <a:r>
-              <a:rPr lang="en-US"/>
-              <a:t>Product B</a:t>
-            </a:r>
-          </a:p>
-        </p:txBody>
-      </p:sp>
-      <p:sp>
-        <p:nvSpPr>
-          <p:cNvPr id="8" name="Content Placeholder 7"/>
-          <p:cNvSpPr>
-            <a:spLocks noGrp="1"/>
-          </p:cNvSpPr>
-          <p:nvPr>
-            <p:ph sz="quarter" idx="4"/>
-          </p:nvPr>
-        </p:nvSpPr>
-        <p:spPr>
-          <a:xfrm>
-            <a:off x="4572000" y="2433326"/>
-            <a:ext cx="4041775" cy="2276294"/>
-          </a:xfrm>
-        </p:spPr>
-        <p:txBody>
-          <a:bodyPr/>
-          <a:lstStyle/>
-          <a:p>
-            <a:r>
-              <a:rPr lang="en-US"/>
-              <a:t>Feature 1</a:t>
-            </a:r>
-          </a:p>
-          <a:p>
-            <a:r>
-              <a:rPr lang="en-US"/>
-              <a:t>Feature 2</a:t>
-            </a:r>
-          </a:p>
-          <a:p>
-            <a:r>
-              <a:rPr lang="en-US"/>
-              <a:t>Feature 3</a:t>
-            </a:r>
-          </a:p>
-        </p:txBody>
-      </p:sp>
-    </p:spTree>
-    <p:extLst>
-      <p:ext uri="{BB962C8B-B14F-4D97-AF65-F5344CB8AC3E}">
-        <p14:creationId xmlns:p14="http://schemas.microsoft.com/office/powerpoint/2010/main" val="4170783713"/>
-      </p:ext>
-    </p:extLst>
-  </p:cSld>
-  <p:clrMapOvr>
-    <a:masterClrMapping/>
-  </p:clrMapOvr>
-</p:sld>
-</file>
-
-<file path=ppt/slides/slide5.xml><?xml version="1.0" encoding="utf-8"?>
-<p:sld xmlns:a="http://schemas.openxmlformats.org/drawingml/2006/main" xmlns:r="http://schemas.openxmlformats.org/officeDocument/2006/relationships" xmlns:p="http://schemas.openxmlformats.org/presentationml/2006/main">
-  <p:cSld>
-    <p:spTree>
-      <p:nvGrpSpPr>
-        <p:cNvPr id="1" name=""/>
-        <p:cNvGrpSpPr/>
-        <p:nvPr/>
-      </p:nvGrpSpPr>
-      <p:grpSpPr>
-        <a:xfrm>
-          <a:off x="0" y="0"/>
-          <a:ext cx="0" cy="0"/>
-          <a:chOff x="0" y="0"/>
-          <a:chExt cx="0" cy="0"/>
-        </a:xfrm>
-      </p:grpSpPr>
-    </p:spTree>
-    <p:extLst>
-      <p:ext uri="{BB962C8B-B14F-4D97-AF65-F5344CB8AC3E}">
-        <p14:creationId xmlns:p14="http://schemas.microsoft.com/office/powerpoint/2010/main" val="109100692"/>
-      </p:ext>
-    </p:extLst>
-  </p:cSld>
-  <p:clrMapOvr>
-    <a:masterClrMapping/>
-  </p:clrMapOvr>
-</p:sld>
 </file>
 
 <file path=ppt/theme/theme1.xml><?xml version="1.0" encoding="utf-8"?>

--- a/modules/themes/abstract.pptx
+++ b/modules/themes/abstract.pptx
@@ -205,7 +205,7 @@
           <a:p>
             <a:fld id="{C8D18E60-4300-4729-A0D7-6AB984C3922D}" type="datetimeFigureOut">
               <a:rPr lang="en-US" smtClean="0"/>
-              <a:t>06/06/2024</a:t>
+              <a:t>10/06/2024</a:t>
             </a:fld>
             <a:endParaRPr lang="en-US"/>
           </a:p>
@@ -691,7 +691,7 @@
             <a:fld id="{53074F12-AA26-4AC8-9962-C36BB8F32554}" type="datetimeFigureOut">
               <a:rPr lang="en-US" smtClean="0"/>
               <a:pPr/>
-              <a:t>06/06/2024</a:t>
+              <a:t>10/06/2024</a:t>
             </a:fld>
             <a:endParaRPr lang="en-US"/>
           </a:p>
@@ -945,7 +945,7 @@
             <a:fld id="{53074F12-AA26-4AC8-9962-C36BB8F32554}" type="datetimeFigureOut">
               <a:rPr lang="en-US" smtClean="0"/>
               <a:pPr/>
-              <a:t>06/06/2024</a:t>
+              <a:t>10/06/2024</a:t>
             </a:fld>
             <a:endParaRPr lang="en-US"/>
           </a:p>
@@ -1115,7 +1115,7 @@
             <a:fld id="{53074F12-AA26-4AC8-9962-C36BB8F32554}" type="datetimeFigureOut">
               <a:rPr lang="en-US" smtClean="0"/>
               <a:pPr/>
-              <a:t>06/06/2024</a:t>
+              <a:t>10/06/2024</a:t>
             </a:fld>
             <a:endParaRPr lang="en-US"/>
           </a:p>
@@ -1295,7 +1295,7 @@
             <a:fld id="{53074F12-AA26-4AC8-9962-C36BB8F32554}" type="datetimeFigureOut">
               <a:rPr lang="en-US" smtClean="0"/>
               <a:pPr/>
-              <a:t>06/06/2024</a:t>
+              <a:t>10/06/2024</a:t>
             </a:fld>
             <a:endParaRPr lang="en-US"/>
           </a:p>
@@ -1577,7 +1577,7 @@
             <a:fld id="{53074F12-AA26-4AC8-9962-C36BB8F32554}" type="datetimeFigureOut">
               <a:rPr lang="en-US" smtClean="0"/>
               <a:pPr/>
-              <a:t>06/06/2024</a:t>
+              <a:t>10/06/2024</a:t>
             </a:fld>
             <a:endParaRPr lang="en-US"/>
           </a:p>
@@ -1824,7 +1824,7 @@
             <a:fld id="{53074F12-AA26-4AC8-9962-C36BB8F32554}" type="datetimeFigureOut">
               <a:rPr lang="en-US" smtClean="0"/>
               <a:pPr/>
-              <a:t>06/06/2024</a:t>
+              <a:t>10/06/2024</a:t>
             </a:fld>
             <a:endParaRPr lang="en-US"/>
           </a:p>
@@ -2071,7 +2071,7 @@
             <a:fld id="{53074F12-AA26-4AC8-9962-C36BB8F32554}" type="datetimeFigureOut">
               <a:rPr lang="en-US" smtClean="0"/>
               <a:pPr/>
-              <a:t>06/06/2024</a:t>
+              <a:t>10/06/2024</a:t>
             </a:fld>
             <a:endParaRPr lang="en-US"/>
           </a:p>
@@ -2358,7 +2358,7 @@
             <a:fld id="{53074F12-AA26-4AC8-9962-C36BB8F32554}" type="datetimeFigureOut">
               <a:rPr lang="en-US" smtClean="0"/>
               <a:pPr/>
-              <a:t>06/06/2024</a:t>
+              <a:t>10/06/2024</a:t>
             </a:fld>
             <a:endParaRPr lang="en-US"/>
           </a:p>
@@ -2845,7 +2845,7 @@
             <a:fld id="{53074F12-AA26-4AC8-9962-C36BB8F32554}" type="datetimeFigureOut">
               <a:rPr lang="en-US" smtClean="0"/>
               <a:pPr/>
-              <a:t>06/06/2024</a:t>
+              <a:t>10/06/2024</a:t>
             </a:fld>
             <a:endParaRPr lang="en-US"/>
           </a:p>
@@ -2964,7 +2964,7 @@
             <a:fld id="{53074F12-AA26-4AC8-9962-C36BB8F32554}" type="datetimeFigureOut">
               <a:rPr lang="en-US" smtClean="0"/>
               <a:pPr/>
-              <a:t>06/06/2024</a:t>
+              <a:t>10/06/2024</a:t>
             </a:fld>
             <a:endParaRPr lang="en-US"/>
           </a:p>
@@ -3061,7 +3061,7 @@
             <a:fld id="{53074F12-AA26-4AC8-9962-C36BB8F32554}" type="datetimeFigureOut">
               <a:rPr lang="en-US" smtClean="0"/>
               <a:pPr/>
-              <a:t>06/06/2024</a:t>
+              <a:t>10/06/2024</a:t>
             </a:fld>
             <a:endParaRPr lang="en-US"/>
           </a:p>
@@ -3338,7 +3338,7 @@
             <a:fld id="{53074F12-AA26-4AC8-9962-C36BB8F32554}" type="datetimeFigureOut">
               <a:rPr lang="en-US" smtClean="0"/>
               <a:pPr/>
-              <a:t>06/06/2024</a:t>
+              <a:t>10/06/2024</a:t>
             </a:fld>
             <a:endParaRPr lang="en-US"/>
           </a:p>
@@ -3560,7 +3560,7 @@
             <a:fld id="{53074F12-AA26-4AC8-9962-C36BB8F32554}" type="datetimeFigureOut">
               <a:rPr lang="en-US" smtClean="0"/>
               <a:pPr/>
-              <a:t>06/06/2024</a:t>
+              <a:t>10/06/2024</a:t>
             </a:fld>
             <a:endParaRPr lang="en-US"/>
           </a:p>

--- a/modules/themes/abstract.pptx
+++ b/modules/themes/abstract.pptx
@@ -205,7 +205,7 @@
           <a:p>
             <a:fld id="{C8D18E60-4300-4729-A0D7-6AB984C3922D}" type="datetimeFigureOut">
               <a:rPr lang="en-US" smtClean="0"/>
-              <a:t>10/06/2024</a:t>
+              <a:t>06/06/2024</a:t>
             </a:fld>
             <a:endParaRPr lang="en-US"/>
           </a:p>
@@ -691,7 +691,7 @@
             <a:fld id="{53074F12-AA26-4AC8-9962-C36BB8F32554}" type="datetimeFigureOut">
               <a:rPr lang="en-US" smtClean="0"/>
               <a:pPr/>
-              <a:t>10/06/2024</a:t>
+              <a:t>06/06/2024</a:t>
             </a:fld>
             <a:endParaRPr lang="en-US"/>
           </a:p>
@@ -945,7 +945,7 @@
             <a:fld id="{53074F12-AA26-4AC8-9962-C36BB8F32554}" type="datetimeFigureOut">
               <a:rPr lang="en-US" smtClean="0"/>
               <a:pPr/>
-              <a:t>10/06/2024</a:t>
+              <a:t>06/06/2024</a:t>
             </a:fld>
             <a:endParaRPr lang="en-US"/>
           </a:p>
@@ -1115,7 +1115,7 @@
             <a:fld id="{53074F12-AA26-4AC8-9962-C36BB8F32554}" type="datetimeFigureOut">
               <a:rPr lang="en-US" smtClean="0"/>
               <a:pPr/>
-              <a:t>10/06/2024</a:t>
+              <a:t>06/06/2024</a:t>
             </a:fld>
             <a:endParaRPr lang="en-US"/>
           </a:p>
@@ -1295,7 +1295,7 @@
             <a:fld id="{53074F12-AA26-4AC8-9962-C36BB8F32554}" type="datetimeFigureOut">
               <a:rPr lang="en-US" smtClean="0"/>
               <a:pPr/>
-              <a:t>10/06/2024</a:t>
+              <a:t>06/06/2024</a:t>
             </a:fld>
             <a:endParaRPr lang="en-US"/>
           </a:p>
@@ -1577,7 +1577,7 @@
             <a:fld id="{53074F12-AA26-4AC8-9962-C36BB8F32554}" type="datetimeFigureOut">
               <a:rPr lang="en-US" smtClean="0"/>
               <a:pPr/>
-              <a:t>10/06/2024</a:t>
+              <a:t>06/06/2024</a:t>
             </a:fld>
             <a:endParaRPr lang="en-US"/>
           </a:p>
@@ -1824,7 +1824,7 @@
             <a:fld id="{53074F12-AA26-4AC8-9962-C36BB8F32554}" type="datetimeFigureOut">
               <a:rPr lang="en-US" smtClean="0"/>
               <a:pPr/>
-              <a:t>10/06/2024</a:t>
+              <a:t>06/06/2024</a:t>
             </a:fld>
             <a:endParaRPr lang="en-US"/>
           </a:p>
@@ -2071,7 +2071,7 @@
             <a:fld id="{53074F12-AA26-4AC8-9962-C36BB8F32554}" type="datetimeFigureOut">
               <a:rPr lang="en-US" smtClean="0"/>
               <a:pPr/>
-              <a:t>10/06/2024</a:t>
+              <a:t>06/06/2024</a:t>
             </a:fld>
             <a:endParaRPr lang="en-US"/>
           </a:p>
@@ -2358,7 +2358,7 @@
             <a:fld id="{53074F12-AA26-4AC8-9962-C36BB8F32554}" type="datetimeFigureOut">
               <a:rPr lang="en-US" smtClean="0"/>
               <a:pPr/>
-              <a:t>10/06/2024</a:t>
+              <a:t>06/06/2024</a:t>
             </a:fld>
             <a:endParaRPr lang="en-US"/>
           </a:p>
@@ -2845,7 +2845,7 @@
             <a:fld id="{53074F12-AA26-4AC8-9962-C36BB8F32554}" type="datetimeFigureOut">
               <a:rPr lang="en-US" smtClean="0"/>
               <a:pPr/>
-              <a:t>10/06/2024</a:t>
+              <a:t>06/06/2024</a:t>
             </a:fld>
             <a:endParaRPr lang="en-US"/>
           </a:p>
@@ -2964,7 +2964,7 @@
             <a:fld id="{53074F12-AA26-4AC8-9962-C36BB8F32554}" type="datetimeFigureOut">
               <a:rPr lang="en-US" smtClean="0"/>
               <a:pPr/>
-              <a:t>10/06/2024</a:t>
+              <a:t>06/06/2024</a:t>
             </a:fld>
             <a:endParaRPr lang="en-US"/>
           </a:p>
@@ -3061,7 +3061,7 @@
             <a:fld id="{53074F12-AA26-4AC8-9962-C36BB8F32554}" type="datetimeFigureOut">
               <a:rPr lang="en-US" smtClean="0"/>
               <a:pPr/>
-              <a:t>10/06/2024</a:t>
+              <a:t>06/06/2024</a:t>
             </a:fld>
             <a:endParaRPr lang="en-US"/>
           </a:p>
@@ -3338,7 +3338,7 @@
             <a:fld id="{53074F12-AA26-4AC8-9962-C36BB8F32554}" type="datetimeFigureOut">
               <a:rPr lang="en-US" smtClean="0"/>
               <a:pPr/>
-              <a:t>10/06/2024</a:t>
+              <a:t>06/06/2024</a:t>
             </a:fld>
             <a:endParaRPr lang="en-US"/>
           </a:p>
@@ -3560,7 +3560,7 @@
             <a:fld id="{53074F12-AA26-4AC8-9962-C36BB8F32554}" type="datetimeFigureOut">
               <a:rPr lang="en-US" smtClean="0"/>
               <a:pPr/>
-              <a:t>10/06/2024</a:t>
+              <a:t>06/06/2024</a:t>
             </a:fld>
             <a:endParaRPr lang="en-US"/>
           </a:p>
